--- a/4.ERD.pptx
+++ b/4.ERD.pptx
@@ -150,6 +150,14 @@
 </p:presentation>
 </file>
 
+<file path=ppt/revisionInfo.xml><?xml version="1.0" encoding="utf-8"?>
+<p1510:revInfo xmlns:a="http://schemas.openxmlformats.org/drawingml/2006/main" xmlns:r="http://schemas.openxmlformats.org/officeDocument/2006/relationships" xmlns:p1510="http://schemas.microsoft.com/office/powerpoint/2015/10/main">
+  <p1510:revLst>
+    <p1510:client id="{AB24A03E-236F-4CD0-B5E1-0CE6B522AA2F}" v="3" dt="2019-08-14T02:00:52.106"/>
+  </p1510:revLst>
+</p1510:revInfo>
+</file>
+
 <file path=ppt/notesMasters/notesMaster1.xml><?xml version="1.0" encoding="utf-8"?>
 <p:notesMaster xmlns:a="http://schemas.openxmlformats.org/drawingml/2006/main" xmlns:r="http://schemas.openxmlformats.org/officeDocument/2006/relationships" xmlns:p="http://schemas.openxmlformats.org/presentationml/2006/main">
   <p:cSld>
@@ -232,7 +240,7 @@
           <a:p>
             <a:fld id="{80D564AC-8C04-43F5-B0D5-0B17C27E0E5B}" type="datetimeFigureOut">
               <a:rPr lang="en-US" smtClean="0"/>
-              <a:t>7/8/2019</a:t>
+              <a:t>8/13/2019</a:t>
             </a:fld>
             <a:endParaRPr lang="en-US"/>
           </a:p>
@@ -661,7 +669,7 @@
           <a:p>
             <a:fld id="{69DFA0F7-84FD-46DF-989E-91FBE20BD392}" type="datetimeFigureOut">
               <a:rPr lang="en-US" smtClean="0"/>
-              <a:t>7/8/2019</a:t>
+              <a:t>8/13/2019</a:t>
             </a:fld>
             <a:endParaRPr lang="en-US"/>
           </a:p>
@@ -874,7 +882,7 @@
           <a:p>
             <a:fld id="{69DFA0F7-84FD-46DF-989E-91FBE20BD392}" type="datetimeFigureOut">
               <a:rPr lang="en-US" smtClean="0"/>
-              <a:t>7/8/2019</a:t>
+              <a:t>8/13/2019</a:t>
             </a:fld>
             <a:endParaRPr lang="en-US"/>
           </a:p>
@@ -1097,7 +1105,7 @@
           <a:p>
             <a:fld id="{69DFA0F7-84FD-46DF-989E-91FBE20BD392}" type="datetimeFigureOut">
               <a:rPr lang="en-US" smtClean="0"/>
-              <a:t>7/8/2019</a:t>
+              <a:t>8/13/2019</a:t>
             </a:fld>
             <a:endParaRPr lang="en-US"/>
           </a:p>
@@ -1679,7 +1687,7 @@
           <a:p>
             <a:fld id="{F58F56C0-0FED-4FC9-A8FD-8409CAAB40D2}" type="datetimeFigureOut">
               <a:rPr lang="en-US" smtClean="0"/>
-              <a:t>7/8/2019</a:t>
+              <a:t>8/13/2019</a:t>
             </a:fld>
             <a:endParaRPr lang="en-US"/>
           </a:p>
@@ -1944,7 +1952,7 @@
           <a:p>
             <a:fld id="{69DFA0F7-84FD-46DF-989E-91FBE20BD392}" type="datetimeFigureOut">
               <a:rPr lang="en-US" smtClean="0"/>
-              <a:t>7/8/2019</a:t>
+              <a:t>8/13/2019</a:t>
             </a:fld>
             <a:endParaRPr lang="en-US"/>
           </a:p>
@@ -2234,7 +2242,7 @@
           <a:p>
             <a:fld id="{69DFA0F7-84FD-46DF-989E-91FBE20BD392}" type="datetimeFigureOut">
               <a:rPr lang="en-US" smtClean="0"/>
-              <a:t>7/8/2019</a:t>
+              <a:t>8/13/2019</a:t>
             </a:fld>
             <a:endParaRPr lang="en-US"/>
           </a:p>
@@ -2362,7 +2370,7 @@
           <a:p>
             <a:fld id="{69DFA0F7-84FD-46DF-989E-91FBE20BD392}" type="datetimeFigureOut">
               <a:rPr lang="en-US" smtClean="0"/>
-              <a:t>7/8/2019</a:t>
+              <a:t>8/13/2019</a:t>
             </a:fld>
             <a:endParaRPr lang="en-US"/>
           </a:p>
@@ -2548,7 +2556,7 @@
           <a:p>
             <a:fld id="{69DFA0F7-84FD-46DF-989E-91FBE20BD392}" type="datetimeFigureOut">
               <a:rPr lang="en-US" smtClean="0"/>
-              <a:t>7/8/2019</a:t>
+              <a:t>8/13/2019</a:t>
             </a:fld>
             <a:endParaRPr lang="en-US"/>
           </a:p>
@@ -2736,7 +2744,7 @@
           <a:p>
             <a:fld id="{69DFA0F7-84FD-46DF-989E-91FBE20BD392}" type="datetimeFigureOut">
               <a:rPr lang="en-US" smtClean="0"/>
-              <a:t>7/8/2019</a:t>
+              <a:t>8/13/2019</a:t>
             </a:fld>
             <a:endParaRPr lang="en-US"/>
           </a:p>
@@ -2996,7 +3004,7 @@
           <a:p>
             <a:fld id="{69DFA0F7-84FD-46DF-989E-91FBE20BD392}" type="datetimeFigureOut">
               <a:rPr lang="en-US" smtClean="0"/>
-              <a:t>7/8/2019</a:t>
+              <a:t>8/13/2019</a:t>
             </a:fld>
             <a:endParaRPr lang="en-US"/>
           </a:p>
@@ -3322,7 +3330,7 @@
           <a:p>
             <a:fld id="{69DFA0F7-84FD-46DF-989E-91FBE20BD392}" type="datetimeFigureOut">
               <a:rPr lang="en-US" smtClean="0"/>
-              <a:t>7/8/2019</a:t>
+              <a:t>8/13/2019</a:t>
             </a:fld>
             <a:endParaRPr lang="en-US"/>
           </a:p>
@@ -3625,7 +3633,7 @@
           <a:p>
             <a:fld id="{69DFA0F7-84FD-46DF-989E-91FBE20BD392}" type="datetimeFigureOut">
               <a:rPr lang="en-US" smtClean="0"/>
-              <a:t>7/8/2019</a:t>
+              <a:t>8/13/2019</a:t>
             </a:fld>
             <a:endParaRPr lang="en-US"/>
           </a:p>
@@ -3876,7 +3884,7 @@
           <a:p>
             <a:fld id="{69DFA0F7-84FD-46DF-989E-91FBE20BD392}" type="datetimeFigureOut">
               <a:rPr lang="en-US" smtClean="0"/>
-              <a:t>7/8/2019</a:t>
+              <a:t>8/13/2019</a:t>
             </a:fld>
             <a:endParaRPr lang="en-US"/>
           </a:p>
@@ -11022,10 +11030,10 @@
       </p:grpSpPr>
       <p:pic>
         <p:nvPicPr>
-          <p:cNvPr id="2" name="Picture 2" descr="스크린샷이(가) 표시된 사진&#10;&#10;매우 높은 신뢰도로 생성된 설명">
+          <p:cNvPr id="2" name="그림 2" descr="스크린샷이(가) 표시된 사진&#10;&#10;매우 높은 신뢰도로 생성된 설명">
             <a:extLst>
               <a:ext uri="{FF2B5EF4-FFF2-40B4-BE49-F238E27FC236}">
-                <a16:creationId xmlns:a16="http://schemas.microsoft.com/office/drawing/2014/main" id="{8F8CCDD5-F04D-4E0B-9180-95D0D6CCF256}"/>
+                <a16:creationId xmlns:a16="http://schemas.microsoft.com/office/drawing/2014/main" id="{55381875-2F2B-4978-A05F-63A096DE35BB}"/>
               </a:ext>
             </a:extLst>
           </p:cNvPr>
@@ -11036,7 +11044,7 @@
         </p:nvPicPr>
         <p:blipFill rotWithShape="1">
           <a:blip r:embed="rId2"/>
-          <a:srcRect t="303" r="-1" b="502"/>
+          <a:srcRect r="6155"/>
           <a:stretch/>
         </p:blipFill>
         <p:spPr>
@@ -11051,10 +11059,10 @@
       </p:pic>
       <p:sp>
         <p:nvSpPr>
-          <p:cNvPr id="5" name="TextBox 4">
+          <p:cNvPr id="4" name="TextBox 3">
             <a:extLst>
               <a:ext uri="{FF2B5EF4-FFF2-40B4-BE49-F238E27FC236}">
-                <a16:creationId xmlns:a16="http://schemas.microsoft.com/office/drawing/2014/main" id="{2320EF68-0FBF-4540-ADC8-A7A5000F6EF9}"/>
+                <a16:creationId xmlns:a16="http://schemas.microsoft.com/office/drawing/2014/main" id="{ED55330C-67F3-4240-83CB-7BA867734131}"/>
               </a:ext>
             </a:extLst>
           </p:cNvPr>
@@ -11147,10 +11155,10 @@
       </p:grpSpPr>
       <p:pic>
         <p:nvPicPr>
-          <p:cNvPr id="2" name="Picture 2" descr="스크린샷이(가) 표시된 사진&#10;&#10;매우 높은 신뢰도로 생성된 설명">
+          <p:cNvPr id="2" name="그림 2" descr="스크린샷이(가) 표시된 사진&#10;&#10;매우 높은 신뢰도로 생성된 설명">
             <a:extLst>
               <a:ext uri="{FF2B5EF4-FFF2-40B4-BE49-F238E27FC236}">
-                <a16:creationId xmlns:a16="http://schemas.microsoft.com/office/drawing/2014/main" id="{FC04C04C-A4E8-4391-9755-BBCC34EC9039}"/>
+                <a16:creationId xmlns:a16="http://schemas.microsoft.com/office/drawing/2014/main" id="{E5741A23-13C3-47BC-9DB9-C3B6316262B3}"/>
               </a:ext>
             </a:extLst>
           </p:cNvPr>
@@ -11161,7 +11169,7 @@
         </p:nvPicPr>
         <p:blipFill rotWithShape="1">
           <a:blip r:embed="rId2"/>
-          <a:srcRect r="-1" b="806"/>
+          <a:srcRect r="6155"/>
           <a:stretch/>
         </p:blipFill>
         <p:spPr>
@@ -11176,10 +11184,10 @@
       </p:pic>
       <p:sp>
         <p:nvSpPr>
-          <p:cNvPr id="7" name="TextBox 6">
+          <p:cNvPr id="5" name="TextBox 4">
             <a:extLst>
               <a:ext uri="{FF2B5EF4-FFF2-40B4-BE49-F238E27FC236}">
-                <a16:creationId xmlns:a16="http://schemas.microsoft.com/office/drawing/2014/main" id="{35F4135E-F461-4075-AC31-7093FF352F51}"/>
+                <a16:creationId xmlns:a16="http://schemas.microsoft.com/office/drawing/2014/main" id="{551BCB8D-E406-43CD-8A48-8BA2E5190D94}"/>
               </a:ext>
             </a:extLst>
           </p:cNvPr>
@@ -11272,10 +11280,10 @@
       </p:grpSpPr>
       <p:pic>
         <p:nvPicPr>
-          <p:cNvPr id="2" name="Picture 2" descr="스크린샷이(가) 표시된 사진&#10;&#10;매우 높은 신뢰도로 생성된 설명">
+          <p:cNvPr id="2" name="그림 2" descr="스크린샷이(가) 표시된 사진&#10;&#10;매우 높은 신뢰도로 생성된 설명">
             <a:extLst>
               <a:ext uri="{FF2B5EF4-FFF2-40B4-BE49-F238E27FC236}">
-                <a16:creationId xmlns:a16="http://schemas.microsoft.com/office/drawing/2014/main" id="{FEA5A9D9-4FD9-440F-8088-70488083D668}"/>
+                <a16:creationId xmlns:a16="http://schemas.microsoft.com/office/drawing/2014/main" id="{8DA7F331-E884-4855-A661-5ACA90543268}"/>
               </a:ext>
             </a:extLst>
           </p:cNvPr>
@@ -11286,7 +11294,7 @@
         </p:nvPicPr>
         <p:blipFill rotWithShape="1">
           <a:blip r:embed="rId2"/>
-          <a:srcRect t="807" r="-1" b="-1"/>
+          <a:srcRect r="6155"/>
           <a:stretch/>
         </p:blipFill>
         <p:spPr>
@@ -11301,10 +11309,10 @@
       </p:pic>
       <p:sp>
         <p:nvSpPr>
-          <p:cNvPr id="5" name="TextBox 4">
+          <p:cNvPr id="6" name="TextBox 1">
             <a:extLst>
               <a:ext uri="{FF2B5EF4-FFF2-40B4-BE49-F238E27FC236}">
-                <a16:creationId xmlns:a16="http://schemas.microsoft.com/office/drawing/2014/main" id="{F51A1EAB-B458-4868-81C2-7936BBB5734B}"/>
+                <a16:creationId xmlns:a16="http://schemas.microsoft.com/office/drawing/2014/main" id="{8862019E-7560-4F2C-B072-940E02D24176}"/>
               </a:ext>
             </a:extLst>
           </p:cNvPr>
@@ -11326,7 +11334,101 @@
           <a:bodyPr wrap="square" lIns="0" tIns="0" rIns="0" bIns="0" rtlCol="0" anchor="t">
             <a:spAutoFit/>
           </a:bodyPr>
-          <a:lstStyle/>
+          <a:lstStyle>
+            <a:defPPr>
+              <a:defRPr lang="en-US"/>
+            </a:defPPr>
+            <a:lvl1pPr marL="0" algn="l" defTabSz="914400" rtl="0" eaLnBrk="1" latinLnBrk="0" hangingPunct="1">
+              <a:defRPr sz="1800" kern="1200">
+                <a:solidFill>
+                  <a:schemeClr val="tx1"/>
+                </a:solidFill>
+                <a:latin typeface="+mn-lt"/>
+                <a:ea typeface="+mn-ea"/>
+                <a:cs typeface="+mn-cs"/>
+              </a:defRPr>
+            </a:lvl1pPr>
+            <a:lvl2pPr marL="457200" algn="l" defTabSz="914400" rtl="0" eaLnBrk="1" latinLnBrk="0" hangingPunct="1">
+              <a:defRPr sz="1800" kern="1200">
+                <a:solidFill>
+                  <a:schemeClr val="tx1"/>
+                </a:solidFill>
+                <a:latin typeface="+mn-lt"/>
+                <a:ea typeface="+mn-ea"/>
+                <a:cs typeface="+mn-cs"/>
+              </a:defRPr>
+            </a:lvl2pPr>
+            <a:lvl3pPr marL="914400" algn="l" defTabSz="914400" rtl="0" eaLnBrk="1" latinLnBrk="0" hangingPunct="1">
+              <a:defRPr sz="1800" kern="1200">
+                <a:solidFill>
+                  <a:schemeClr val="tx1"/>
+                </a:solidFill>
+                <a:latin typeface="+mn-lt"/>
+                <a:ea typeface="+mn-ea"/>
+                <a:cs typeface="+mn-cs"/>
+              </a:defRPr>
+            </a:lvl3pPr>
+            <a:lvl4pPr marL="1371600" algn="l" defTabSz="914400" rtl="0" eaLnBrk="1" latinLnBrk="0" hangingPunct="1">
+              <a:defRPr sz="1800" kern="1200">
+                <a:solidFill>
+                  <a:schemeClr val="tx1"/>
+                </a:solidFill>
+                <a:latin typeface="+mn-lt"/>
+                <a:ea typeface="+mn-ea"/>
+                <a:cs typeface="+mn-cs"/>
+              </a:defRPr>
+            </a:lvl4pPr>
+            <a:lvl5pPr marL="1828800" algn="l" defTabSz="914400" rtl="0" eaLnBrk="1" latinLnBrk="0" hangingPunct="1">
+              <a:defRPr sz="1800" kern="1200">
+                <a:solidFill>
+                  <a:schemeClr val="tx1"/>
+                </a:solidFill>
+                <a:latin typeface="+mn-lt"/>
+                <a:ea typeface="+mn-ea"/>
+                <a:cs typeface="+mn-cs"/>
+              </a:defRPr>
+            </a:lvl5pPr>
+            <a:lvl6pPr marL="2286000" algn="l" defTabSz="914400" rtl="0" eaLnBrk="1" latinLnBrk="0" hangingPunct="1">
+              <a:defRPr sz="1800" kern="1200">
+                <a:solidFill>
+                  <a:schemeClr val="tx1"/>
+                </a:solidFill>
+                <a:latin typeface="+mn-lt"/>
+                <a:ea typeface="+mn-ea"/>
+                <a:cs typeface="+mn-cs"/>
+              </a:defRPr>
+            </a:lvl6pPr>
+            <a:lvl7pPr marL="2743200" algn="l" defTabSz="914400" rtl="0" eaLnBrk="1" latinLnBrk="0" hangingPunct="1">
+              <a:defRPr sz="1800" kern="1200">
+                <a:solidFill>
+                  <a:schemeClr val="tx1"/>
+                </a:solidFill>
+                <a:latin typeface="+mn-lt"/>
+                <a:ea typeface="+mn-ea"/>
+                <a:cs typeface="+mn-cs"/>
+              </a:defRPr>
+            </a:lvl7pPr>
+            <a:lvl8pPr marL="3200400" algn="l" defTabSz="914400" rtl="0" eaLnBrk="1" latinLnBrk="0" hangingPunct="1">
+              <a:defRPr sz="1800" kern="1200">
+                <a:solidFill>
+                  <a:schemeClr val="tx1"/>
+                </a:solidFill>
+                <a:latin typeface="+mn-lt"/>
+                <a:ea typeface="+mn-ea"/>
+                <a:cs typeface="+mn-cs"/>
+              </a:defRPr>
+            </a:lvl8pPr>
+            <a:lvl9pPr marL="3657600" algn="l" defTabSz="914400" rtl="0" eaLnBrk="1" latinLnBrk="0" hangingPunct="1">
+              <a:defRPr sz="1800" kern="1200">
+                <a:solidFill>
+                  <a:schemeClr val="tx1"/>
+                </a:solidFill>
+                <a:latin typeface="+mn-lt"/>
+                <a:ea typeface="+mn-ea"/>
+                <a:cs typeface="+mn-cs"/>
+              </a:defRPr>
+            </a:lvl9pPr>
+          </a:lstStyle>
           <a:p>
             <a:pPr algn="r"/>
             <a:r>
@@ -11343,7 +11445,7 @@
               </a:rPr>
               <a:t>논리 ERD</a:t>
             </a:r>
-            <a:endParaRPr lang="ko-KR" altLang="en-US" sz="4400" b="1">
+            <a:endParaRPr lang="ko-KR" altLang="en-US" sz="4400" b="1" dirty="0">
               <a:solidFill>
                 <a:schemeClr val="tx1">
                   <a:lumMod val="75000"/>
@@ -11397,10 +11499,10 @@
       </p:grpSpPr>
       <p:pic>
         <p:nvPicPr>
-          <p:cNvPr id="2" name="Picture 2" descr="스크린샷이(가) 표시된 사진&#10;&#10;매우 높은 신뢰도로 생성된 설명">
+          <p:cNvPr id="2" name="그림 2" descr="스크린샷이(가) 표시된 사진&#10;&#10;매우 높은 신뢰도로 생성된 설명">
             <a:extLst>
               <a:ext uri="{FF2B5EF4-FFF2-40B4-BE49-F238E27FC236}">
-                <a16:creationId xmlns:a16="http://schemas.microsoft.com/office/drawing/2014/main" id="{A9A0BE33-E542-4377-8444-A355FDD4A14C}"/>
+                <a16:creationId xmlns:a16="http://schemas.microsoft.com/office/drawing/2014/main" id="{42AEE5F8-2D75-4B59-A0AD-D560C781D486}"/>
               </a:ext>
             </a:extLst>
           </p:cNvPr>
@@ -11411,7 +11513,7 @@
         </p:nvPicPr>
         <p:blipFill rotWithShape="1">
           <a:blip r:embed="rId2"/>
-          <a:srcRect r="-1" b="806"/>
+          <a:srcRect r="6155"/>
           <a:stretch/>
         </p:blipFill>
         <p:spPr>
@@ -11426,10 +11528,10 @@
       </p:pic>
       <p:sp>
         <p:nvSpPr>
-          <p:cNvPr id="5" name="TextBox 4">
+          <p:cNvPr id="4" name="TextBox 3">
             <a:extLst>
               <a:ext uri="{FF2B5EF4-FFF2-40B4-BE49-F238E27FC236}">
-                <a16:creationId xmlns:a16="http://schemas.microsoft.com/office/drawing/2014/main" id="{C5682A5B-976D-4EE3-BB34-B16DC9AE4789}"/>
+                <a16:creationId xmlns:a16="http://schemas.microsoft.com/office/drawing/2014/main" id="{A6082303-FFAB-4E93-8FA3-25DB9CB10FCA}"/>
               </a:ext>
             </a:extLst>
           </p:cNvPr>
@@ -11451,7 +11553,101 @@
           <a:bodyPr wrap="square" lIns="0" tIns="0" rIns="0" bIns="0" rtlCol="0" anchor="t">
             <a:spAutoFit/>
           </a:bodyPr>
-          <a:lstStyle/>
+          <a:lstStyle>
+            <a:defPPr>
+              <a:defRPr lang="en-US"/>
+            </a:defPPr>
+            <a:lvl1pPr marL="0" algn="l" defTabSz="914400" rtl="0" eaLnBrk="1" latinLnBrk="0" hangingPunct="1">
+              <a:defRPr sz="1800" kern="1200">
+                <a:solidFill>
+                  <a:schemeClr val="tx1"/>
+                </a:solidFill>
+                <a:latin typeface="+mn-lt"/>
+                <a:ea typeface="+mn-ea"/>
+                <a:cs typeface="+mn-cs"/>
+              </a:defRPr>
+            </a:lvl1pPr>
+            <a:lvl2pPr marL="457200" algn="l" defTabSz="914400" rtl="0" eaLnBrk="1" latinLnBrk="0" hangingPunct="1">
+              <a:defRPr sz="1800" kern="1200">
+                <a:solidFill>
+                  <a:schemeClr val="tx1"/>
+                </a:solidFill>
+                <a:latin typeface="+mn-lt"/>
+                <a:ea typeface="+mn-ea"/>
+                <a:cs typeface="+mn-cs"/>
+              </a:defRPr>
+            </a:lvl2pPr>
+            <a:lvl3pPr marL="914400" algn="l" defTabSz="914400" rtl="0" eaLnBrk="1" latinLnBrk="0" hangingPunct="1">
+              <a:defRPr sz="1800" kern="1200">
+                <a:solidFill>
+                  <a:schemeClr val="tx1"/>
+                </a:solidFill>
+                <a:latin typeface="+mn-lt"/>
+                <a:ea typeface="+mn-ea"/>
+                <a:cs typeface="+mn-cs"/>
+              </a:defRPr>
+            </a:lvl3pPr>
+            <a:lvl4pPr marL="1371600" algn="l" defTabSz="914400" rtl="0" eaLnBrk="1" latinLnBrk="0" hangingPunct="1">
+              <a:defRPr sz="1800" kern="1200">
+                <a:solidFill>
+                  <a:schemeClr val="tx1"/>
+                </a:solidFill>
+                <a:latin typeface="+mn-lt"/>
+                <a:ea typeface="+mn-ea"/>
+                <a:cs typeface="+mn-cs"/>
+              </a:defRPr>
+            </a:lvl4pPr>
+            <a:lvl5pPr marL="1828800" algn="l" defTabSz="914400" rtl="0" eaLnBrk="1" latinLnBrk="0" hangingPunct="1">
+              <a:defRPr sz="1800" kern="1200">
+                <a:solidFill>
+                  <a:schemeClr val="tx1"/>
+                </a:solidFill>
+                <a:latin typeface="+mn-lt"/>
+                <a:ea typeface="+mn-ea"/>
+                <a:cs typeface="+mn-cs"/>
+              </a:defRPr>
+            </a:lvl5pPr>
+            <a:lvl6pPr marL="2286000" algn="l" defTabSz="914400" rtl="0" eaLnBrk="1" latinLnBrk="0" hangingPunct="1">
+              <a:defRPr sz="1800" kern="1200">
+                <a:solidFill>
+                  <a:schemeClr val="tx1"/>
+                </a:solidFill>
+                <a:latin typeface="+mn-lt"/>
+                <a:ea typeface="+mn-ea"/>
+                <a:cs typeface="+mn-cs"/>
+              </a:defRPr>
+            </a:lvl6pPr>
+            <a:lvl7pPr marL="2743200" algn="l" defTabSz="914400" rtl="0" eaLnBrk="1" latinLnBrk="0" hangingPunct="1">
+              <a:defRPr sz="1800" kern="1200">
+                <a:solidFill>
+                  <a:schemeClr val="tx1"/>
+                </a:solidFill>
+                <a:latin typeface="+mn-lt"/>
+                <a:ea typeface="+mn-ea"/>
+                <a:cs typeface="+mn-cs"/>
+              </a:defRPr>
+            </a:lvl7pPr>
+            <a:lvl8pPr marL="3200400" algn="l" defTabSz="914400" rtl="0" eaLnBrk="1" latinLnBrk="0" hangingPunct="1">
+              <a:defRPr sz="1800" kern="1200">
+                <a:solidFill>
+                  <a:schemeClr val="tx1"/>
+                </a:solidFill>
+                <a:latin typeface="+mn-lt"/>
+                <a:ea typeface="+mn-ea"/>
+                <a:cs typeface="+mn-cs"/>
+              </a:defRPr>
+            </a:lvl8pPr>
+            <a:lvl9pPr marL="3657600" algn="l" defTabSz="914400" rtl="0" eaLnBrk="1" latinLnBrk="0" hangingPunct="1">
+              <a:defRPr sz="1800" kern="1200">
+                <a:solidFill>
+                  <a:schemeClr val="tx1"/>
+                </a:solidFill>
+                <a:latin typeface="+mn-lt"/>
+                <a:ea typeface="+mn-ea"/>
+                <a:cs typeface="+mn-cs"/>
+              </a:defRPr>
+            </a:lvl9pPr>
+          </a:lstStyle>
           <a:p>
             <a:pPr algn="r"/>
             <a:r>
@@ -11468,7 +11664,7 @@
               </a:rPr>
               <a:t>논리 ERD</a:t>
             </a:r>
-            <a:endParaRPr lang="ko-KR" altLang="en-US" sz="4400" b="1">
+            <a:endParaRPr lang="ko-KR" altLang="en-US" sz="4400" b="1" dirty="0">
               <a:solidFill>
                 <a:schemeClr val="tx1">
                   <a:lumMod val="75000"/>
